--- a/html-css_ppt/3강. css 텍스트와 표 스타일.pptx
+++ b/html-css_ppt/3강. css 텍스트와 표 스타일.pptx
@@ -37,9 +37,9 @@
     <p:sldId id="442" r:id="rId28"/>
     <p:sldId id="448" r:id="rId29"/>
     <p:sldId id="425" r:id="rId30"/>
-    <p:sldId id="443" r:id="rId31"/>
-    <p:sldId id="444" r:id="rId32"/>
-    <p:sldId id="426" r:id="rId33"/>
+    <p:sldId id="453" r:id="rId31"/>
+    <p:sldId id="443" r:id="rId32"/>
+    <p:sldId id="444" r:id="rId33"/>
     <p:sldId id="449" r:id="rId34"/>
     <p:sldId id="427" r:id="rId35"/>
   </p:sldIdLst>
@@ -241,7 +241,7 @@
           <a:p>
             <a:fld id="{7665CDAC-D627-4E87-877A-1B781DD4CADC}" type="datetimeFigureOut">
               <a:rPr lang="ko-KR" altLang="en-US" smtClean="0"/>
-              <a:t>2023-03-15</a:t>
+              <a:t>2023-03-20</a:t>
             </a:fld>
             <a:endParaRPr lang="ko-KR" altLang="en-US"/>
           </a:p>
@@ -655,7 +655,7 @@
           <a:p>
             <a:fld id="{C25BCFD5-C4DF-4EBC-B718-C69ED2FBDE6F}" type="datetime1">
               <a:rPr lang="ko-KR" altLang="en-US" smtClean="0"/>
-              <a:t>2023-03-15</a:t>
+              <a:t>2023-03-20</a:t>
             </a:fld>
             <a:endParaRPr lang="ko-KR" altLang="en-US"/>
           </a:p>
@@ -1073,7 +1073,7 @@
           <a:p>
             <a:fld id="{AB448CD7-D367-43D5-B461-ACE552E75063}" type="datetime1">
               <a:rPr lang="ko-KR" altLang="en-US" smtClean="0"/>
-              <a:t>2023-03-15</a:t>
+              <a:t>2023-03-20</a:t>
             </a:fld>
             <a:endParaRPr lang="ko-KR" altLang="en-US"/>
           </a:p>
@@ -1253,7 +1253,7 @@
           <a:p>
             <a:fld id="{B6E49E79-7361-4780-8BEF-7EDE3708298A}" type="datetime1">
               <a:rPr lang="ko-KR" altLang="en-US" smtClean="0"/>
-              <a:t>2023-03-15</a:t>
+              <a:t>2023-03-20</a:t>
             </a:fld>
             <a:endParaRPr lang="ko-KR" altLang="en-US"/>
           </a:p>
@@ -1427,7 +1427,7 @@
           <a:p>
             <a:fld id="{A4D42E3C-B70B-437C-85CF-1286301B9CBA}" type="datetime1">
               <a:rPr lang="ko-KR" altLang="en-US" smtClean="0"/>
-              <a:t>2023-03-15</a:t>
+              <a:t>2023-03-20</a:t>
             </a:fld>
             <a:endParaRPr lang="ko-KR" altLang="en-US"/>
           </a:p>
@@ -1673,7 +1673,7 @@
           <a:p>
             <a:fld id="{B3369A20-5B3D-4D98-A822-26B93D177A40}" type="datetime1">
               <a:rPr lang="ko-KR" altLang="en-US" smtClean="0"/>
-              <a:t>2023-03-15</a:t>
+              <a:t>2023-03-20</a:t>
             </a:fld>
             <a:endParaRPr lang="ko-KR" altLang="en-US"/>
           </a:p>
@@ -1961,7 +1961,7 @@
           <a:p>
             <a:fld id="{685CD4CE-9E43-4F70-A9D8-A2130CA7D92A}" type="datetime1">
               <a:rPr lang="ko-KR" altLang="en-US" smtClean="0"/>
-              <a:t>2023-03-15</a:t>
+              <a:t>2023-03-20</a:t>
             </a:fld>
             <a:endParaRPr lang="ko-KR" altLang="en-US"/>
           </a:p>
@@ -2383,7 +2383,7 @@
           <a:p>
             <a:fld id="{F752BD92-DA3E-4A0B-90C9-7DE5E15B6E96}" type="datetime1">
               <a:rPr lang="ko-KR" altLang="en-US" smtClean="0"/>
-              <a:t>2023-03-15</a:t>
+              <a:t>2023-03-20</a:t>
             </a:fld>
             <a:endParaRPr lang="ko-KR" altLang="en-US"/>
           </a:p>
@@ -2501,7 +2501,7 @@
           <a:p>
             <a:fld id="{8EA2B83A-F366-424E-B742-340ACF856BB5}" type="datetime1">
               <a:rPr lang="ko-KR" altLang="en-US" smtClean="0"/>
-              <a:t>2023-03-15</a:t>
+              <a:t>2023-03-20</a:t>
             </a:fld>
             <a:endParaRPr lang="ko-KR" altLang="en-US"/>
           </a:p>
@@ -2596,7 +2596,7 @@
           <a:p>
             <a:fld id="{9A49D68B-5DBD-48E9-A8D4-FCBC4B3DD9C6}" type="datetime1">
               <a:rPr lang="ko-KR" altLang="en-US" smtClean="0"/>
-              <a:t>2023-03-15</a:t>
+              <a:t>2023-03-20</a:t>
             </a:fld>
             <a:endParaRPr lang="ko-KR" altLang="en-US"/>
           </a:p>
@@ -2873,7 +2873,7 @@
           <a:p>
             <a:fld id="{4CAB534F-7D16-467B-9320-91F98915D181}" type="datetime1">
               <a:rPr lang="ko-KR" altLang="en-US" smtClean="0"/>
-              <a:t>2023-03-15</a:t>
+              <a:t>2023-03-20</a:t>
             </a:fld>
             <a:endParaRPr lang="ko-KR" altLang="en-US"/>
           </a:p>
@@ -3126,7 +3126,7 @@
           <a:p>
             <a:fld id="{A390A91F-2F8D-4486-A69D-D680F95444B0}" type="datetime1">
               <a:rPr lang="ko-KR" altLang="en-US" smtClean="0"/>
-              <a:t>2023-03-15</a:t>
+              <a:t>2023-03-20</a:t>
             </a:fld>
             <a:endParaRPr lang="ko-KR" altLang="en-US"/>
           </a:p>
@@ -3306,7 +3306,7 @@
           <a:p>
             <a:fld id="{2238BBEA-E8DD-414A-BF68-FC2AFA7CFF2D}" type="datetime1">
               <a:rPr lang="ko-KR" altLang="en-US" smtClean="0"/>
-              <a:t>2023-03-15</a:t>
+              <a:t>2023-03-20</a:t>
             </a:fld>
             <a:endParaRPr lang="ko-KR" altLang="en-US"/>
           </a:p>
@@ -4750,31 +4750,7 @@
                   <a:srgbClr val="C00000"/>
                 </a:solidFill>
               </a:rPr>
-              <a:t>. </a:t>
-            </a:r>
-            <a:r>
-              <a:rPr lang="en-US" altLang="ko-KR" b="1" dirty="0" smtClean="0">
-                <a:solidFill>
-                  <a:srgbClr val="C00000"/>
-                </a:solidFill>
-              </a:rPr>
-              <a:t>font2</a:t>
-            </a:r>
-            <a:r>
-              <a:rPr lang="en-US" altLang="ko-KR" b="1" dirty="0" smtClean="0">
-                <a:solidFill>
-                  <a:srgbClr val="C00000"/>
-                </a:solidFill>
-              </a:rPr>
-              <a:t>.html </a:t>
-            </a:r>
-            <a:r>
-              <a:rPr lang="en-US" altLang="ko-KR" b="1" dirty="0" smtClean="0">
-                <a:solidFill>
-                  <a:srgbClr val="C00000"/>
-                </a:solidFill>
-              </a:rPr>
-              <a:t>– </a:t>
+              <a:t>. font2.html – </a:t>
             </a:r>
             <a:r>
               <a:rPr lang="ko-KR" altLang="en-US" b="1" dirty="0" smtClean="0">
@@ -4952,13 +4928,13 @@
       </p:sp>
       <p:pic>
         <p:nvPicPr>
-          <p:cNvPr id="11" name="그림 10"/>
+          <p:cNvPr id="6" name="그림 5"/>
           <p:cNvPicPr>
             <a:picLocks noChangeAspect="1"/>
           </p:cNvPicPr>
           <p:nvPr/>
         </p:nvPicPr>
-        <p:blipFill rotWithShape="1">
+        <p:blipFill>
           <a:blip r:embed="rId4">
             <a:extLst>
               <a:ext uri="{28A0092B-C50C-407E-A947-70E740481C1C}">
@@ -4966,13 +4942,14 @@
               </a:ext>
             </a:extLst>
           </a:blip>
-          <a:srcRect l="5599" t="12706" b="12318"/>
-          <a:stretch/>
+          <a:stretch>
+            <a:fillRect/>
+          </a:stretch>
         </p:blipFill>
         <p:spPr>
           <a:xfrm>
-            <a:off x="4836404" y="4005064"/>
-            <a:ext cx="3812776" cy="1403686"/>
+            <a:off x="4880992" y="4004121"/>
+            <a:ext cx="2949196" cy="2514818"/>
           </a:xfrm>
           <a:prstGeom prst="rect">
             <a:avLst/>
@@ -13369,7 +13346,7 @@
       </p:sp>
       <p:pic>
         <p:nvPicPr>
-          <p:cNvPr id="3" name="그림 2"/>
+          <p:cNvPr id="5" name="그림 4"/>
           <p:cNvPicPr>
             <a:picLocks noChangeAspect="1"/>
           </p:cNvPicPr>
@@ -13389,12 +13366,49 @@
         </p:blipFill>
         <p:spPr>
           <a:xfrm>
-            <a:off x="1583242" y="2803287"/>
-            <a:ext cx="4956899" cy="2160240"/>
+            <a:off x="1496616" y="2731279"/>
+            <a:ext cx="3859053" cy="2088232"/>
           </a:xfrm>
           <a:prstGeom prst="rect">
             <a:avLst/>
           </a:prstGeom>
+        </p:spPr>
+      </p:pic>
+      <p:pic>
+        <p:nvPicPr>
+          <p:cNvPr id="6" name="그림 5"/>
+          <p:cNvPicPr>
+            <a:picLocks noChangeAspect="1"/>
+          </p:cNvPicPr>
+          <p:nvPr/>
+        </p:nvPicPr>
+        <p:blipFill>
+          <a:blip r:embed="rId3">
+            <a:extLst>
+              <a:ext uri="{28A0092B-C50C-407E-A947-70E740481C1C}">
+                <a14:useLocalDpi xmlns:a14="http://schemas.microsoft.com/office/drawing/2010/main" val="0"/>
+              </a:ext>
+            </a:extLst>
+          </a:blip>
+          <a:stretch>
+            <a:fillRect/>
+          </a:stretch>
+        </p:blipFill>
+        <p:spPr>
+          <a:xfrm>
+            <a:off x="5355669" y="2584886"/>
+            <a:ext cx="2117957" cy="4051013"/>
+          </a:xfrm>
+          <a:prstGeom prst="rect">
+            <a:avLst/>
+          </a:prstGeom>
+          <a:ln>
+            <a:solidFill>
+              <a:schemeClr val="bg1">
+                <a:lumMod val="85000"/>
+              </a:schemeClr>
+            </a:solidFill>
+          </a:ln>
         </p:spPr>
       </p:pic>
     </p:spTree>
@@ -14092,9 +14106,10 @@
               <a:t> </a:t>
             </a:r>
             <a:r>
-              <a:rPr lang="ko-KR" altLang="en-US" sz="2800" dirty="0"/>
-              <a:t>표 스타일</a:t>
-            </a:r>
+              <a:rPr lang="ko-KR" altLang="en-US" sz="2800" dirty="0" smtClean="0"/>
+              <a:t>표 구조 정의하기</a:t>
+            </a:r>
+            <a:endParaRPr lang="ko-KR" altLang="en-US" sz="2800" dirty="0"/>
           </a:p>
         </p:txBody>
       </p:sp>
@@ -14118,195 +14133,6 @@
               <a:t>30</a:t>
             </a:fld>
             <a:endParaRPr lang="ko-KR" altLang="en-US"/>
-          </a:p>
-        </p:txBody>
-      </p:sp>
-      <p:sp>
-        <p:nvSpPr>
-          <p:cNvPr id="7" name="TextBox 6"/>
-          <p:cNvSpPr txBox="1"/>
-          <p:nvPr/>
-        </p:nvSpPr>
-        <p:spPr>
-          <a:xfrm>
-            <a:off x="1280556" y="1276741"/>
-            <a:ext cx="5688632" cy="923330"/>
-          </a:xfrm>
-          <a:prstGeom prst="rect">
-            <a:avLst/>
-          </a:prstGeom>
-          <a:noFill/>
-        </p:spPr>
-        <p:txBody>
-          <a:bodyPr wrap="square" rtlCol="0">
-            <a:spAutoFit/>
-          </a:bodyPr>
-          <a:lstStyle/>
-          <a:p>
-            <a:pPr marL="285750" indent="-285750">
-              <a:lnSpc>
-                <a:spcPct val="150000"/>
-              </a:lnSpc>
-              <a:buFont typeface="Wingdings" panose="05000000000000000000" pitchFamily="2" charset="2"/>
-              <a:buChar char="§"/>
-            </a:pPr>
-            <a:r>
-              <a:rPr lang="ko-KR" altLang="en-US" dirty="0" smtClean="0"/>
-              <a:t>여러 </a:t>
-            </a:r>
-            <a:r>
-              <a:rPr lang="ko-KR" altLang="en-US" dirty="0"/>
-              <a:t>열 묶어 스타일 지정하기</a:t>
-            </a:r>
-            <a:endParaRPr lang="en-US" altLang="ko-KR" dirty="0" smtClean="0"/>
-          </a:p>
-          <a:p>
-            <a:pPr>
-              <a:lnSpc>
-                <a:spcPct val="150000"/>
-              </a:lnSpc>
-            </a:pPr>
-            <a:r>
-              <a:rPr lang="en-US" altLang="ko-KR" b="1" dirty="0"/>
-              <a:t> </a:t>
-            </a:r>
-            <a:r>
-              <a:rPr lang="en-US" altLang="ko-KR" b="1" dirty="0" smtClean="0"/>
-              <a:t>     &lt;col&gt;, &lt;</a:t>
-            </a:r>
-            <a:r>
-              <a:rPr lang="en-US" altLang="ko-KR" b="1" dirty="0" err="1" smtClean="0"/>
-              <a:t>colgroup</a:t>
-            </a:r>
-            <a:r>
-              <a:rPr lang="en-US" altLang="ko-KR" b="1" dirty="0" smtClean="0"/>
-              <a:t>&gt; </a:t>
-            </a:r>
-            <a:r>
-              <a:rPr lang="ko-KR" altLang="en-US" dirty="0" smtClean="0"/>
-              <a:t>태</a:t>
-            </a:r>
-            <a:r>
-              <a:rPr lang="ko-KR" altLang="en-US" dirty="0"/>
-              <a:t>그</a:t>
-            </a:r>
-            <a:r>
-              <a:rPr lang="en-US" altLang="ko-KR" dirty="0" smtClean="0"/>
-              <a:t> </a:t>
-            </a:r>
-          </a:p>
-        </p:txBody>
-      </p:sp>
-      <p:sp>
-        <p:nvSpPr>
-          <p:cNvPr id="10" name="TextBox 9"/>
-          <p:cNvSpPr txBox="1"/>
-          <p:nvPr/>
-        </p:nvSpPr>
-        <p:spPr>
-          <a:xfrm>
-            <a:off x="3458344" y="3717032"/>
-            <a:ext cx="2520280" cy="2169825"/>
-          </a:xfrm>
-          <a:prstGeom prst="rect">
-            <a:avLst/>
-          </a:prstGeom>
-          <a:noFill/>
-          <a:ln>
-            <a:solidFill>
-              <a:schemeClr val="bg1">
-                <a:lumMod val="85000"/>
-              </a:schemeClr>
-            </a:solidFill>
-          </a:ln>
-        </p:spPr>
-        <p:txBody>
-          <a:bodyPr wrap="square" rtlCol="0">
-            <a:spAutoFit/>
-          </a:bodyPr>
-          <a:lstStyle/>
-          <a:p>
-            <a:pPr>
-              <a:lnSpc>
-                <a:spcPct val="150000"/>
-              </a:lnSpc>
-            </a:pPr>
-            <a:r>
-              <a:rPr lang="en-US" altLang="ko-KR" dirty="0" smtClean="0"/>
-              <a:t>      &lt;</a:t>
-            </a:r>
-            <a:r>
-              <a:rPr lang="en-US" altLang="ko-KR" dirty="0" err="1" smtClean="0"/>
-              <a:t>colgroup</a:t>
-            </a:r>
-            <a:r>
-              <a:rPr lang="en-US" altLang="ko-KR" dirty="0" smtClean="0"/>
-              <a:t>&gt;</a:t>
-            </a:r>
-          </a:p>
-          <a:p>
-            <a:pPr lvl="1">
-              <a:lnSpc>
-                <a:spcPct val="150000"/>
-              </a:lnSpc>
-            </a:pPr>
-            <a:r>
-              <a:rPr lang="en-US" altLang="ko-KR" dirty="0"/>
-              <a:t> </a:t>
-            </a:r>
-            <a:r>
-              <a:rPr lang="en-US" altLang="ko-KR" dirty="0" smtClean="0"/>
-              <a:t>    &lt;col&gt;</a:t>
-            </a:r>
-          </a:p>
-          <a:p>
-            <a:pPr lvl="1">
-              <a:lnSpc>
-                <a:spcPct val="150000"/>
-              </a:lnSpc>
-            </a:pPr>
-            <a:r>
-              <a:rPr lang="en-US" altLang="ko-KR" dirty="0"/>
-              <a:t> </a:t>
-            </a:r>
-            <a:r>
-              <a:rPr lang="en-US" altLang="ko-KR" dirty="0" smtClean="0"/>
-              <a:t>    &lt;col&gt;</a:t>
-            </a:r>
-          </a:p>
-          <a:p>
-            <a:pPr lvl="1">
-              <a:lnSpc>
-                <a:spcPct val="150000"/>
-              </a:lnSpc>
-            </a:pPr>
-            <a:r>
-              <a:rPr lang="en-US" altLang="ko-KR" dirty="0"/>
-              <a:t> </a:t>
-            </a:r>
-            <a:r>
-              <a:rPr lang="en-US" altLang="ko-KR" dirty="0" smtClean="0"/>
-              <a:t>     ……</a:t>
-            </a:r>
-          </a:p>
-          <a:p>
-            <a:pPr lvl="1">
-              <a:lnSpc>
-                <a:spcPct val="150000"/>
-              </a:lnSpc>
-            </a:pPr>
-            <a:r>
-              <a:rPr lang="en-US" altLang="ko-KR" dirty="0" smtClean="0"/>
-              <a:t>&lt;/</a:t>
-            </a:r>
-            <a:r>
-              <a:rPr lang="en-US" altLang="ko-KR" dirty="0" err="1" smtClean="0"/>
-              <a:t>colgroup</a:t>
-            </a:r>
-            <a:r>
-              <a:rPr lang="en-US" altLang="ko-KR" dirty="0" smtClean="0"/>
-              <a:t>&gt;</a:t>
-            </a:r>
           </a:p>
         </p:txBody>
       </p:sp>
@@ -14332,18 +14158,92 @@
         </p:blipFill>
         <p:spPr>
           <a:xfrm>
-            <a:off x="1928664" y="2338418"/>
-            <a:ext cx="4950153" cy="1234598"/>
+            <a:off x="1208585" y="1412776"/>
+            <a:ext cx="3816423" cy="1663216"/>
           </a:xfrm>
           <a:prstGeom prst="rect">
             <a:avLst/>
           </a:prstGeom>
+        </p:spPr>
+      </p:pic>
+      <p:pic>
+        <p:nvPicPr>
+          <p:cNvPr id="6" name="그림 5"/>
+          <p:cNvPicPr>
+            <a:picLocks noChangeAspect="1"/>
+          </p:cNvPicPr>
+          <p:nvPr/>
+        </p:nvPicPr>
+        <p:blipFill>
+          <a:blip r:embed="rId3">
+            <a:extLst>
+              <a:ext uri="{28A0092B-C50C-407E-A947-70E740481C1C}">
+                <a14:useLocalDpi xmlns:a14="http://schemas.microsoft.com/office/drawing/2010/main" val="0"/>
+              </a:ext>
+            </a:extLst>
+          </a:blip>
+          <a:stretch>
+            <a:fillRect/>
+          </a:stretch>
+        </p:blipFill>
+        <p:spPr>
+          <a:xfrm>
+            <a:off x="2072680" y="3219494"/>
+            <a:ext cx="2802822" cy="3243958"/>
+          </a:xfrm>
+          <a:prstGeom prst="rect">
+            <a:avLst/>
+          </a:prstGeom>
+          <a:ln>
+            <a:solidFill>
+              <a:schemeClr val="bg1">
+                <a:lumMod val="85000"/>
+              </a:schemeClr>
+            </a:solidFill>
+          </a:ln>
+        </p:spPr>
+      </p:pic>
+      <p:pic>
+        <p:nvPicPr>
+          <p:cNvPr id="8" name="그림 7"/>
+          <p:cNvPicPr>
+            <a:picLocks noChangeAspect="1"/>
+          </p:cNvPicPr>
+          <p:nvPr/>
+        </p:nvPicPr>
+        <p:blipFill>
+          <a:blip r:embed="rId4">
+            <a:extLst>
+              <a:ext uri="{28A0092B-C50C-407E-A947-70E740481C1C}">
+                <a14:useLocalDpi xmlns:a14="http://schemas.microsoft.com/office/drawing/2010/main" val="0"/>
+              </a:ext>
+            </a:extLst>
+          </a:blip>
+          <a:stretch>
+            <a:fillRect/>
+          </a:stretch>
+        </p:blipFill>
+        <p:spPr>
+          <a:xfrm>
+            <a:off x="5169024" y="3222704"/>
+            <a:ext cx="2628837" cy="2336744"/>
+          </a:xfrm>
+          <a:prstGeom prst="rect">
+            <a:avLst/>
+          </a:prstGeom>
+          <a:ln>
+            <a:solidFill>
+              <a:schemeClr val="bg1">
+                <a:lumMod val="85000"/>
+              </a:schemeClr>
+            </a:solidFill>
+          </a:ln>
         </p:spPr>
       </p:pic>
     </p:spTree>
     <p:extLst>
       <p:ext uri="{BB962C8B-B14F-4D97-AF65-F5344CB8AC3E}">
-        <p14:creationId xmlns:p14="http://schemas.microsoft.com/office/powerpoint/2010/main" val="3177089911"/>
+        <p14:creationId xmlns:p14="http://schemas.microsoft.com/office/powerpoint/2010/main" val="1172418556"/>
       </p:ext>
     </p:extLst>
   </p:cSld>
@@ -14429,6 +14329,319 @@
             <a:fld id="{1BDE3FE7-3AEA-4B05-AC5A-802D1816ACF0}" type="slidenum">
               <a:rPr lang="ko-KR" altLang="en-US" smtClean="0"/>
               <a:t>31</a:t>
+            </a:fld>
+            <a:endParaRPr lang="ko-KR" altLang="en-US"/>
+          </a:p>
+        </p:txBody>
+      </p:sp>
+      <p:sp>
+        <p:nvSpPr>
+          <p:cNvPr id="7" name="TextBox 6"/>
+          <p:cNvSpPr txBox="1"/>
+          <p:nvPr/>
+        </p:nvSpPr>
+        <p:spPr>
+          <a:xfrm>
+            <a:off x="1280556" y="1276741"/>
+            <a:ext cx="5688632" cy="923330"/>
+          </a:xfrm>
+          <a:prstGeom prst="rect">
+            <a:avLst/>
+          </a:prstGeom>
+          <a:noFill/>
+        </p:spPr>
+        <p:txBody>
+          <a:bodyPr wrap="square" rtlCol="0">
+            <a:spAutoFit/>
+          </a:bodyPr>
+          <a:lstStyle/>
+          <a:p>
+            <a:pPr marL="285750" indent="-285750">
+              <a:lnSpc>
+                <a:spcPct val="150000"/>
+              </a:lnSpc>
+              <a:buFont typeface="Wingdings" panose="05000000000000000000" pitchFamily="2" charset="2"/>
+              <a:buChar char="§"/>
+            </a:pPr>
+            <a:r>
+              <a:rPr lang="ko-KR" altLang="en-US" dirty="0" smtClean="0"/>
+              <a:t>여러 </a:t>
+            </a:r>
+            <a:r>
+              <a:rPr lang="ko-KR" altLang="en-US" dirty="0"/>
+              <a:t>열 묶어 스타일 지정하기</a:t>
+            </a:r>
+            <a:endParaRPr lang="en-US" altLang="ko-KR" dirty="0" smtClean="0"/>
+          </a:p>
+          <a:p>
+            <a:pPr>
+              <a:lnSpc>
+                <a:spcPct val="150000"/>
+              </a:lnSpc>
+            </a:pPr>
+            <a:r>
+              <a:rPr lang="en-US" altLang="ko-KR" b="1" dirty="0"/>
+              <a:t> </a:t>
+            </a:r>
+            <a:r>
+              <a:rPr lang="en-US" altLang="ko-KR" b="1" dirty="0" smtClean="0"/>
+              <a:t>     &lt;col&gt;, &lt;</a:t>
+            </a:r>
+            <a:r>
+              <a:rPr lang="en-US" altLang="ko-KR" b="1" dirty="0" err="1" smtClean="0"/>
+              <a:t>colgroup</a:t>
+            </a:r>
+            <a:r>
+              <a:rPr lang="en-US" altLang="ko-KR" b="1" dirty="0" smtClean="0"/>
+              <a:t>&gt; </a:t>
+            </a:r>
+            <a:r>
+              <a:rPr lang="ko-KR" altLang="en-US" dirty="0" smtClean="0"/>
+              <a:t>태</a:t>
+            </a:r>
+            <a:r>
+              <a:rPr lang="ko-KR" altLang="en-US" dirty="0"/>
+              <a:t>그</a:t>
+            </a:r>
+            <a:r>
+              <a:rPr lang="en-US" altLang="ko-KR" dirty="0" smtClean="0"/>
+              <a:t> </a:t>
+            </a:r>
+          </a:p>
+        </p:txBody>
+      </p:sp>
+      <p:sp>
+        <p:nvSpPr>
+          <p:cNvPr id="10" name="TextBox 9"/>
+          <p:cNvSpPr txBox="1"/>
+          <p:nvPr/>
+        </p:nvSpPr>
+        <p:spPr>
+          <a:xfrm>
+            <a:off x="3458344" y="3717032"/>
+            <a:ext cx="2520280" cy="2169825"/>
+          </a:xfrm>
+          <a:prstGeom prst="rect">
+            <a:avLst/>
+          </a:prstGeom>
+          <a:noFill/>
+          <a:ln>
+            <a:solidFill>
+              <a:schemeClr val="bg1">
+                <a:lumMod val="85000"/>
+              </a:schemeClr>
+            </a:solidFill>
+          </a:ln>
+        </p:spPr>
+        <p:txBody>
+          <a:bodyPr wrap="square" rtlCol="0">
+            <a:spAutoFit/>
+          </a:bodyPr>
+          <a:lstStyle/>
+          <a:p>
+            <a:pPr>
+              <a:lnSpc>
+                <a:spcPct val="150000"/>
+              </a:lnSpc>
+            </a:pPr>
+            <a:r>
+              <a:rPr lang="en-US" altLang="ko-KR" dirty="0" smtClean="0"/>
+              <a:t>      &lt;</a:t>
+            </a:r>
+            <a:r>
+              <a:rPr lang="en-US" altLang="ko-KR" dirty="0" err="1" smtClean="0"/>
+              <a:t>colgroup</a:t>
+            </a:r>
+            <a:r>
+              <a:rPr lang="en-US" altLang="ko-KR" dirty="0" smtClean="0"/>
+              <a:t>&gt;</a:t>
+            </a:r>
+          </a:p>
+          <a:p>
+            <a:pPr lvl="1">
+              <a:lnSpc>
+                <a:spcPct val="150000"/>
+              </a:lnSpc>
+            </a:pPr>
+            <a:r>
+              <a:rPr lang="en-US" altLang="ko-KR" dirty="0"/>
+              <a:t> </a:t>
+            </a:r>
+            <a:r>
+              <a:rPr lang="en-US" altLang="ko-KR" dirty="0" smtClean="0"/>
+              <a:t>    &lt;col&gt;</a:t>
+            </a:r>
+          </a:p>
+          <a:p>
+            <a:pPr lvl="1">
+              <a:lnSpc>
+                <a:spcPct val="150000"/>
+              </a:lnSpc>
+            </a:pPr>
+            <a:r>
+              <a:rPr lang="en-US" altLang="ko-KR" dirty="0"/>
+              <a:t> </a:t>
+            </a:r>
+            <a:r>
+              <a:rPr lang="en-US" altLang="ko-KR" dirty="0" smtClean="0"/>
+              <a:t>    &lt;col&gt;</a:t>
+            </a:r>
+          </a:p>
+          <a:p>
+            <a:pPr lvl="1">
+              <a:lnSpc>
+                <a:spcPct val="150000"/>
+              </a:lnSpc>
+            </a:pPr>
+            <a:r>
+              <a:rPr lang="en-US" altLang="ko-KR" dirty="0"/>
+              <a:t> </a:t>
+            </a:r>
+            <a:r>
+              <a:rPr lang="en-US" altLang="ko-KR" dirty="0" smtClean="0"/>
+              <a:t>     ……</a:t>
+            </a:r>
+          </a:p>
+          <a:p>
+            <a:pPr lvl="1">
+              <a:lnSpc>
+                <a:spcPct val="150000"/>
+              </a:lnSpc>
+            </a:pPr>
+            <a:r>
+              <a:rPr lang="en-US" altLang="ko-KR" dirty="0" smtClean="0"/>
+              <a:t>&lt;/</a:t>
+            </a:r>
+            <a:r>
+              <a:rPr lang="en-US" altLang="ko-KR" dirty="0" err="1" smtClean="0"/>
+              <a:t>colgroup</a:t>
+            </a:r>
+            <a:r>
+              <a:rPr lang="en-US" altLang="ko-KR" dirty="0" smtClean="0"/>
+              <a:t>&gt;</a:t>
+            </a:r>
+          </a:p>
+        </p:txBody>
+      </p:sp>
+      <p:pic>
+        <p:nvPicPr>
+          <p:cNvPr id="3" name="그림 2"/>
+          <p:cNvPicPr>
+            <a:picLocks noChangeAspect="1"/>
+          </p:cNvPicPr>
+          <p:nvPr/>
+        </p:nvPicPr>
+        <p:blipFill>
+          <a:blip r:embed="rId2">
+            <a:extLst>
+              <a:ext uri="{28A0092B-C50C-407E-A947-70E740481C1C}">
+                <a14:useLocalDpi xmlns:a14="http://schemas.microsoft.com/office/drawing/2010/main" val="0"/>
+              </a:ext>
+            </a:extLst>
+          </a:blip>
+          <a:stretch>
+            <a:fillRect/>
+          </a:stretch>
+        </p:blipFill>
+        <p:spPr>
+          <a:xfrm>
+            <a:off x="1928664" y="2338418"/>
+            <a:ext cx="4950153" cy="1234598"/>
+          </a:xfrm>
+          <a:prstGeom prst="rect">
+            <a:avLst/>
+          </a:prstGeom>
+        </p:spPr>
+      </p:pic>
+    </p:spTree>
+    <p:extLst>
+      <p:ext uri="{BB962C8B-B14F-4D97-AF65-F5344CB8AC3E}">
+        <p14:creationId xmlns:p14="http://schemas.microsoft.com/office/powerpoint/2010/main" val="3177089911"/>
+      </p:ext>
+    </p:extLst>
+  </p:cSld>
+  <p:clrMapOvr>
+    <a:masterClrMapping/>
+  </p:clrMapOvr>
+  <p:timing>
+    <p:tnLst>
+      <p:par>
+        <p:cTn id="1" dur="indefinite" restart="never" nodeType="tmRoot"/>
+      </p:par>
+    </p:tnLst>
+  </p:timing>
+</p:sld>
+</file>
+
+<file path=ppt/slides/slide32.xml><?xml version="1.0" encoding="utf-8"?>
+<p:sld xmlns:a="http://schemas.openxmlformats.org/drawingml/2006/main" xmlns:r="http://schemas.openxmlformats.org/officeDocument/2006/relationships" xmlns:p="http://schemas.openxmlformats.org/presentationml/2006/main">
+  <p:cSld>
+    <p:spTree>
+      <p:nvGrpSpPr>
+        <p:cNvPr id="1" name=""/>
+        <p:cNvGrpSpPr/>
+        <p:nvPr/>
+      </p:nvGrpSpPr>
+      <p:grpSpPr>
+        <a:xfrm>
+          <a:off x="0" y="0"/>
+          <a:ext cx="0" cy="0"/>
+          <a:chOff x="0" y="0"/>
+          <a:chExt cx="0" cy="0"/>
+        </a:xfrm>
+      </p:grpSpPr>
+      <p:sp>
+        <p:nvSpPr>
+          <p:cNvPr id="2" name="제목 1"/>
+          <p:cNvSpPr>
+            <a:spLocks noGrp="1"/>
+          </p:cNvSpPr>
+          <p:nvPr>
+            <p:ph type="title"/>
+          </p:nvPr>
+        </p:nvSpPr>
+        <p:spPr>
+          <a:xfrm>
+            <a:off x="416497" y="197768"/>
+            <a:ext cx="6412780" cy="854968"/>
+          </a:xfrm>
+        </p:spPr>
+        <p:txBody>
+          <a:bodyPr>
+            <a:noAutofit/>
+          </a:bodyPr>
+          <a:lstStyle/>
+          <a:p>
+            <a:pPr algn="ctr"/>
+            <a:r>
+              <a:rPr lang="en-US" altLang="ko-KR" sz="2800" dirty="0" smtClean="0"/>
+              <a:t> </a:t>
+            </a:r>
+            <a:r>
+              <a:rPr lang="ko-KR" altLang="en-US" sz="2800" dirty="0"/>
+              <a:t>표 스타일</a:t>
+            </a:r>
+          </a:p>
+        </p:txBody>
+      </p:sp>
+      <p:sp>
+        <p:nvSpPr>
+          <p:cNvPr id="4" name="슬라이드 번호 개체 틀 3"/>
+          <p:cNvSpPr>
+            <a:spLocks noGrp="1"/>
+          </p:cNvSpPr>
+          <p:nvPr>
+            <p:ph type="sldNum" sz="quarter" idx="12"/>
+          </p:nvPr>
+        </p:nvSpPr>
+        <p:spPr/>
+        <p:txBody>
+          <a:bodyPr/>
+          <a:lstStyle/>
+          <a:p>
+            <a:fld id="{1BDE3FE7-3AEA-4B05-AC5A-802D1816ACF0}" type="slidenum">
+              <a:rPr lang="ko-KR" altLang="en-US" smtClean="0"/>
+              <a:t>32</a:t>
             </a:fld>
             <a:endParaRPr lang="ko-KR" altLang="en-US"/>
           </a:p>
@@ -14633,214 +14846,6 @@
             </p:seq>
           </p:childTnLst>
         </p:cTn>
-      </p:par>
-    </p:tnLst>
-  </p:timing>
-</p:sld>
-</file>
-
-<file path=ppt/slides/slide32.xml><?xml version="1.0" encoding="utf-8"?>
-<p:sld xmlns:a="http://schemas.openxmlformats.org/drawingml/2006/main" xmlns:r="http://schemas.openxmlformats.org/officeDocument/2006/relationships" xmlns:p="http://schemas.openxmlformats.org/presentationml/2006/main">
-  <p:cSld>
-    <p:spTree>
-      <p:nvGrpSpPr>
-        <p:cNvPr id="1" name=""/>
-        <p:cNvGrpSpPr/>
-        <p:nvPr/>
-      </p:nvGrpSpPr>
-      <p:grpSpPr>
-        <a:xfrm>
-          <a:off x="0" y="0"/>
-          <a:ext cx="0" cy="0"/>
-          <a:chOff x="0" y="0"/>
-          <a:chExt cx="0" cy="0"/>
-        </a:xfrm>
-      </p:grpSpPr>
-      <p:sp>
-        <p:nvSpPr>
-          <p:cNvPr id="2" name="제목 1"/>
-          <p:cNvSpPr>
-            <a:spLocks noGrp="1"/>
-          </p:cNvSpPr>
-          <p:nvPr>
-            <p:ph type="title"/>
-          </p:nvPr>
-        </p:nvSpPr>
-        <p:spPr>
-          <a:xfrm>
-            <a:off x="416497" y="197768"/>
-            <a:ext cx="6412780" cy="854968"/>
-          </a:xfrm>
-        </p:spPr>
-        <p:txBody>
-          <a:bodyPr>
-            <a:noAutofit/>
-          </a:bodyPr>
-          <a:lstStyle/>
-          <a:p>
-            <a:pPr algn="ctr"/>
-            <a:r>
-              <a:rPr lang="en-US" altLang="ko-KR" sz="2800" dirty="0" smtClean="0"/>
-              <a:t> </a:t>
-            </a:r>
-            <a:r>
-              <a:rPr lang="ko-KR" altLang="en-US" sz="2800" dirty="0" smtClean="0"/>
-              <a:t>표 구조 정의하기</a:t>
-            </a:r>
-            <a:endParaRPr lang="ko-KR" altLang="en-US" sz="2800" dirty="0"/>
-          </a:p>
-        </p:txBody>
-      </p:sp>
-      <p:sp>
-        <p:nvSpPr>
-          <p:cNvPr id="4" name="슬라이드 번호 개체 틀 3"/>
-          <p:cNvSpPr>
-            <a:spLocks noGrp="1"/>
-          </p:cNvSpPr>
-          <p:nvPr>
-            <p:ph type="sldNum" sz="quarter" idx="12"/>
-          </p:nvPr>
-        </p:nvSpPr>
-        <p:spPr/>
-        <p:txBody>
-          <a:bodyPr/>
-          <a:lstStyle/>
-          <a:p>
-            <a:fld id="{1BDE3FE7-3AEA-4B05-AC5A-802D1816ACF0}" type="slidenum">
-              <a:rPr lang="ko-KR" altLang="en-US" smtClean="0"/>
-              <a:t>32</a:t>
-            </a:fld>
-            <a:endParaRPr lang="ko-KR" altLang="en-US"/>
-          </a:p>
-        </p:txBody>
-      </p:sp>
-      <p:sp>
-        <p:nvSpPr>
-          <p:cNvPr id="7" name="TextBox 6"/>
-          <p:cNvSpPr txBox="1"/>
-          <p:nvPr/>
-        </p:nvSpPr>
-        <p:spPr>
-          <a:xfrm>
-            <a:off x="2916658" y="1412776"/>
-            <a:ext cx="1929587" cy="461665"/>
-          </a:xfrm>
-          <a:prstGeom prst="rect">
-            <a:avLst/>
-          </a:prstGeom>
-          <a:noFill/>
-        </p:spPr>
-        <p:txBody>
-          <a:bodyPr wrap="square" rtlCol="0">
-            <a:spAutoFit/>
-          </a:bodyPr>
-          <a:lstStyle/>
-          <a:p>
-            <a:pPr>
-              <a:lnSpc>
-                <a:spcPct val="150000"/>
-              </a:lnSpc>
-            </a:pPr>
-            <a:r>
-              <a:rPr lang="en-US" altLang="ko-KR" sz="1600" dirty="0" smtClean="0"/>
-              <a:t>education.html </a:t>
-            </a:r>
-            <a:r>
-              <a:rPr lang="ko-KR" altLang="en-US" sz="1600" dirty="0" smtClean="0"/>
-              <a:t> </a:t>
-            </a:r>
-            <a:endParaRPr lang="en-US" altLang="ko-KR" sz="1600" dirty="0" smtClean="0"/>
-          </a:p>
-        </p:txBody>
-      </p:sp>
-      <p:pic>
-        <p:nvPicPr>
-          <p:cNvPr id="6" name="그림 5"/>
-          <p:cNvPicPr>
-            <a:picLocks noChangeAspect="1"/>
-          </p:cNvPicPr>
-          <p:nvPr/>
-        </p:nvPicPr>
-        <p:blipFill>
-          <a:blip r:embed="rId2">
-            <a:extLst>
-              <a:ext uri="{28A0092B-C50C-407E-A947-70E740481C1C}">
-                <a14:useLocalDpi xmlns:a14="http://schemas.microsoft.com/office/drawing/2010/main" val="0"/>
-              </a:ext>
-            </a:extLst>
-          </a:blip>
-          <a:stretch>
-            <a:fillRect/>
-          </a:stretch>
-        </p:blipFill>
-        <p:spPr>
-          <a:xfrm>
-            <a:off x="1430098" y="1886019"/>
-            <a:ext cx="3416147" cy="3953814"/>
-          </a:xfrm>
-          <a:prstGeom prst="rect">
-            <a:avLst/>
-          </a:prstGeom>
-          <a:ln>
-            <a:solidFill>
-              <a:schemeClr val="bg1">
-                <a:lumMod val="85000"/>
-              </a:schemeClr>
-            </a:solidFill>
-          </a:ln>
-        </p:spPr>
-      </p:pic>
-      <p:pic>
-        <p:nvPicPr>
-          <p:cNvPr id="5" name="그림 4"/>
-          <p:cNvPicPr>
-            <a:picLocks noChangeAspect="1"/>
-          </p:cNvPicPr>
-          <p:nvPr/>
-        </p:nvPicPr>
-        <p:blipFill>
-          <a:blip r:embed="rId3">
-            <a:extLst>
-              <a:ext uri="{28A0092B-C50C-407E-A947-70E740481C1C}">
-                <a14:useLocalDpi xmlns:a14="http://schemas.microsoft.com/office/drawing/2010/main" val="0"/>
-              </a:ext>
-            </a:extLst>
-          </a:blip>
-          <a:stretch>
-            <a:fillRect/>
-          </a:stretch>
-        </p:blipFill>
-        <p:spPr>
-          <a:xfrm>
-            <a:off x="5097017" y="2247346"/>
-            <a:ext cx="3456384" cy="3072341"/>
-          </a:xfrm>
-          <a:prstGeom prst="rect">
-            <a:avLst/>
-          </a:prstGeom>
-          <a:ln>
-            <a:solidFill>
-              <a:schemeClr val="bg1">
-                <a:lumMod val="85000"/>
-              </a:schemeClr>
-            </a:solidFill>
-          </a:ln>
-        </p:spPr>
-      </p:pic>
-    </p:spTree>
-    <p:extLst>
-      <p:ext uri="{BB962C8B-B14F-4D97-AF65-F5344CB8AC3E}">
-        <p14:creationId xmlns:p14="http://schemas.microsoft.com/office/powerpoint/2010/main" val="1998651139"/>
-      </p:ext>
-    </p:extLst>
-  </p:cSld>
-  <p:clrMapOvr>
-    <a:masterClrMapping/>
-  </p:clrMapOvr>
-  <p:timing>
-    <p:tnLst>
-      <p:par>
-        <p:cTn id="1" dur="indefinite" restart="never" nodeType="tmRoot"/>
       </p:par>
     </p:tnLst>
   </p:timing>
@@ -18912,11 +18917,7 @@
             </a:r>
             <a:r>
               <a:rPr lang="ko-KR" altLang="en-US" sz="1600" dirty="0" smtClean="0"/>
-              <a:t> 숫자로 </a:t>
-            </a:r>
-            <a:r>
-              <a:rPr lang="ko-KR" altLang="en-US" sz="1600" dirty="0" smtClean="0"/>
-              <a:t>표시</a:t>
+              <a:t> 숫자로 표시</a:t>
             </a:r>
             <a:r>
               <a:rPr lang="en-US" altLang="ko-KR" sz="1600" dirty="0" smtClean="0"/>
@@ -19211,23 +19212,7 @@
                   <a:srgbClr val="C00000"/>
                 </a:solidFill>
               </a:rPr>
-              <a:t>. </a:t>
-            </a:r>
-            <a:r>
-              <a:rPr lang="en-US" altLang="ko-KR" b="1" dirty="0" smtClean="0">
-                <a:solidFill>
-                  <a:srgbClr val="C00000"/>
-                </a:solidFill>
-              </a:rPr>
-              <a:t>font.html </a:t>
-            </a:r>
-            <a:r>
-              <a:rPr lang="en-US" altLang="ko-KR" b="1" dirty="0" smtClean="0">
-                <a:solidFill>
-                  <a:srgbClr val="C00000"/>
-                </a:solidFill>
-              </a:rPr>
-              <a:t>– </a:t>
+              <a:t>. font.html – </a:t>
             </a:r>
             <a:r>
               <a:rPr lang="ko-KR" altLang="en-US" b="1" dirty="0" smtClean="0">
